--- a/FRAUD DETECTION.pptx
+++ b/FRAUD DETECTION.pptx
@@ -22130,7 +22130,7 @@
             <a:tbl>
               <a:tblPr>
                 <a:noFill/>
-                <a:tableStyleId>{ED1E3F07-1434-4133-8124-A106A424B86D}</a:tableStyleId>
+                <a:tableStyleId>{5FB2F2B2-240D-4C2C-8CFD-23420AB540D2}</a:tableStyleId>
               </a:tblPr>
               <a:tblGrid>
                 <a:gridCol w="2530450"/>
@@ -28389,7 +28389,7 @@
             </a:pPr>
             <a:r>
               <a:rPr lang="en-IN"/>
-              <a:t>As we are making a comparison between the Random Forest and the Smote Model, we are making use of average precision-recall score to compare both the models.We can see that the average precision-recall score for the Smote Model is 0.76 where as for Random Forest it is 0.73. We can clearly infer from the above data that the Smote technique works better when compared to Random Forest.</a:t>
+              <a:t>As we are making a comparison between the Random Forest and the Smote Model, we are making use of average precision-recall score to compare both the models.We can see that the average precision-recall score for the Smote Model is 0.75 where as for Random Forest it is 0.73. We can clearly infer from the above data that the Smote technique works better when compared to Random Forest.</a:t>
             </a:r>
             <a:endParaRPr/>
           </a:p>
@@ -30379,6 +30379,285 @@
 </file>
 
 <file path=ppt/theme/theme1.xml><?xml version="1.0" encoding="utf-8"?>
+<a:theme xmlns:a="http://schemas.openxmlformats.org/drawingml/2006/main" xmlns:r="http://schemas.openxmlformats.org/officeDocument/2006/relationships">
+  <a:themeElements>
+    <a:clrScheme name="Default">
+      <a:dk1>
+        <a:srgbClr val="000000"/>
+      </a:dk1>
+      <a:lt1>
+        <a:srgbClr val="FFFFFF"/>
+      </a:lt1>
+      <a:dk2>
+        <a:srgbClr val="158158"/>
+      </a:dk2>
+      <a:lt2>
+        <a:srgbClr val="F3F3F3"/>
+      </a:lt2>
+      <a:accent1>
+        <a:srgbClr val="058DC7"/>
+      </a:accent1>
+      <a:accent2>
+        <a:srgbClr val="50B432"/>
+      </a:accent2>
+      <a:accent3>
+        <a:srgbClr val="ED561B"/>
+      </a:accent3>
+      <a:accent4>
+        <a:srgbClr val="EDEF00"/>
+      </a:accent4>
+      <a:accent5>
+        <a:srgbClr val="24CBE5"/>
+      </a:accent5>
+      <a:accent6>
+        <a:srgbClr val="64E572"/>
+      </a:accent6>
+      <a:hlink>
+        <a:srgbClr val="2200CC"/>
+      </a:hlink>
+      <a:folHlink>
+        <a:srgbClr val="551A8B"/>
+      </a:folHlink>
+    </a:clrScheme>
+    <a:fontScheme name="Office">
+      <a:majorFont>
+        <a:latin typeface="Arial"/>
+        <a:ea typeface=""/>
+        <a:cs typeface=""/>
+        <a:font script="Jpan" typeface="ＭＳ Ｐゴシック"/>
+        <a:font script="Hang" typeface="맑은 고딕"/>
+        <a:font script="Hans" typeface="宋体"/>
+        <a:font script="Hant" typeface="新細明體"/>
+        <a:font script="Arab" typeface="Times New Roman"/>
+        <a:font script="Hebr" typeface="Times New Roman"/>
+        <a:font script="Thai" typeface="Angsana New"/>
+        <a:font script="Ethi" typeface="Nyala"/>
+        <a:font script="Beng" typeface="Vrinda"/>
+        <a:font script="Gujr" typeface="Shruti"/>
+        <a:font script="Khmr" typeface="MoolBoran"/>
+        <a:font script="Knda" typeface="Tunga"/>
+        <a:font script="Guru" typeface="Raavi"/>
+        <a:font script="Cans" typeface="Euphemia"/>
+        <a:font script="Cher" typeface="Plantagenet Cherokee"/>
+        <a:font script="Yiii" typeface="Microsoft Yi Baiti"/>
+        <a:font script="Tibt" typeface="Microsoft Himalaya"/>
+        <a:font script="Thaa" typeface="MV Boli"/>
+        <a:font script="Deva" typeface="Mangal"/>
+        <a:font script="Telu" typeface="Gautami"/>
+        <a:font script="Taml" typeface="Latha"/>
+        <a:font script="Syrc" typeface="Estrangelo Edessa"/>
+        <a:font script="Orya" typeface="Kalinga"/>
+        <a:font script="Mlym" typeface="Kartika"/>
+        <a:font script="Laoo" typeface="DokChampa"/>
+        <a:font script="Sinh" typeface="Iskoola Pota"/>
+        <a:font script="Mong" typeface="Mongolian Baiti"/>
+        <a:font script="Viet" typeface="Times New Roman"/>
+        <a:font script="Uigh" typeface="Microsoft Uighur"/>
+        <a:font script="Geor" typeface="Sylfaen"/>
+      </a:majorFont>
+      <a:minorFont>
+        <a:latin typeface="Arial"/>
+        <a:ea typeface=""/>
+        <a:cs typeface=""/>
+        <a:font script="Jpan" typeface="ＭＳ Ｐゴシック"/>
+        <a:font script="Hang" typeface="맑은 고딕"/>
+        <a:font script="Hans" typeface="宋体"/>
+        <a:font script="Hant" typeface="新細明體"/>
+        <a:font script="Arab" typeface="Arial"/>
+        <a:font script="Hebr" typeface="Arial"/>
+        <a:font script="Thai" typeface="Cordia New"/>
+        <a:font script="Ethi" typeface="Nyala"/>
+        <a:font script="Beng" typeface="Vrinda"/>
+        <a:font script="Gujr" typeface="Shruti"/>
+        <a:font script="Khmr" typeface="DaunPenh"/>
+        <a:font script="Knda" typeface="Tunga"/>
+        <a:font script="Guru" typeface="Raavi"/>
+        <a:font script="Cans" typeface="Euphemia"/>
+        <a:font script="Cher" typeface="Plantagenet Cherokee"/>
+        <a:font script="Yiii" typeface="Microsoft Yi Baiti"/>
+        <a:font script="Tibt" typeface="Microsoft Himalaya"/>
+        <a:font script="Thaa" typeface="MV Boli"/>
+        <a:font script="Deva" typeface="Mangal"/>
+        <a:font script="Telu" typeface="Gautami"/>
+        <a:font script="Taml" typeface="Latha"/>
+        <a:font script="Syrc" typeface="Estrangelo Edessa"/>
+        <a:font script="Orya" typeface="Kalinga"/>
+        <a:font script="Mlym" typeface="Kartika"/>
+        <a:font script="Laoo" typeface="DokChampa"/>
+        <a:font script="Sinh" typeface="Iskoola Pota"/>
+        <a:font script="Mong" typeface="Mongolian Baiti"/>
+        <a:font script="Viet" typeface="Arial"/>
+        <a:font script="Uigh" typeface="Microsoft Uighur"/>
+        <a:font script="Geor" typeface="Sylfaen"/>
+      </a:minorFont>
+    </a:fontScheme>
+    <a:fmtScheme name="Office">
+      <a:fillStyleLst>
+        <a:solidFill>
+          <a:schemeClr val="phClr"/>
+        </a:solidFill>
+        <a:gradFill rotWithShape="1">
+          <a:gsLst>
+            <a:gs pos="0">
+              <a:schemeClr val="phClr">
+                <a:tint val="50000"/>
+                <a:satMod val="300000"/>
+              </a:schemeClr>
+            </a:gs>
+            <a:gs pos="35000">
+              <a:schemeClr val="phClr">
+                <a:tint val="37000"/>
+                <a:satMod val="300000"/>
+              </a:schemeClr>
+            </a:gs>
+            <a:gs pos="100000">
+              <a:schemeClr val="phClr">
+                <a:tint val="15000"/>
+                <a:satMod val="350000"/>
+              </a:schemeClr>
+            </a:gs>
+          </a:gsLst>
+          <a:lin ang="16200000" scaled="1"/>
+        </a:gradFill>
+        <a:gradFill rotWithShape="1">
+          <a:gsLst>
+            <a:gs pos="0">
+              <a:schemeClr val="phClr">
+                <a:tint val="100000"/>
+                <a:shade val="100000"/>
+                <a:satMod val="130000"/>
+              </a:schemeClr>
+            </a:gs>
+            <a:gs pos="100000">
+              <a:schemeClr val="phClr">
+                <a:tint val="50000"/>
+                <a:shade val="100000"/>
+                <a:satMod val="350000"/>
+              </a:schemeClr>
+            </a:gs>
+          </a:gsLst>
+          <a:lin ang="16200000" scaled="0"/>
+        </a:gradFill>
+      </a:fillStyleLst>
+      <a:lnStyleLst>
+        <a:ln w="9525" cap="flat" cmpd="sng" algn="ctr">
+          <a:solidFill>
+            <a:schemeClr val="phClr">
+              <a:shade val="95000"/>
+              <a:satMod val="105000"/>
+            </a:schemeClr>
+          </a:solidFill>
+          <a:prstDash val="solid"/>
+        </a:ln>
+        <a:ln w="25400" cap="flat" cmpd="sng" algn="ctr">
+          <a:solidFill>
+            <a:schemeClr val="phClr"/>
+          </a:solidFill>
+          <a:prstDash val="solid"/>
+        </a:ln>
+        <a:ln w="38100" cap="flat" cmpd="sng" algn="ctr">
+          <a:solidFill>
+            <a:schemeClr val="phClr"/>
+          </a:solidFill>
+          <a:prstDash val="solid"/>
+        </a:ln>
+      </a:lnStyleLst>
+      <a:effectStyleLst>
+        <a:effectStyle>
+          <a:effectLst>
+            <a:outerShdw blurRad="40000" dist="20000" dir="5400000" rotWithShape="0">
+              <a:srgbClr val="000000">
+                <a:alpha val="38000"/>
+              </a:srgbClr>
+            </a:outerShdw>
+          </a:effectLst>
+        </a:effectStyle>
+        <a:effectStyle>
+          <a:effectLst>
+            <a:outerShdw blurRad="40000" dist="23000" dir="5400000" rotWithShape="0">
+              <a:srgbClr val="000000">
+                <a:alpha val="35000"/>
+              </a:srgbClr>
+            </a:outerShdw>
+          </a:effectLst>
+        </a:effectStyle>
+        <a:effectStyle>
+          <a:effectLst>
+            <a:outerShdw blurRad="40000" dist="23000" dir="5400000" rotWithShape="0">
+              <a:srgbClr val="000000">
+                <a:alpha val="35000"/>
+              </a:srgbClr>
+            </a:outerShdw>
+          </a:effectLst>
+          <a:scene3d>
+            <a:camera prst="orthographicFront">
+              <a:rot lat="0" lon="0" rev="0"/>
+            </a:camera>
+            <a:lightRig rig="threePt" dir="t">
+              <a:rot lat="0" lon="0" rev="1200000"/>
+            </a:lightRig>
+          </a:scene3d>
+          <a:sp3d>
+            <a:bevelT w="63500" h="25400"/>
+          </a:sp3d>
+        </a:effectStyle>
+      </a:effectStyleLst>
+      <a:bgFillStyleLst>
+        <a:solidFill>
+          <a:schemeClr val="phClr"/>
+        </a:solidFill>
+        <a:gradFill rotWithShape="1">
+          <a:gsLst>
+            <a:gs pos="0">
+              <a:schemeClr val="phClr">
+                <a:tint val="40000"/>
+                <a:satMod val="350000"/>
+              </a:schemeClr>
+            </a:gs>
+            <a:gs pos="40000">
+              <a:schemeClr val="phClr">
+                <a:tint val="45000"/>
+                <a:shade val="99000"/>
+                <a:satMod val="350000"/>
+              </a:schemeClr>
+            </a:gs>
+            <a:gs pos="100000">
+              <a:schemeClr val="phClr">
+                <a:shade val="20000"/>
+                <a:satMod val="255000"/>
+              </a:schemeClr>
+            </a:gs>
+          </a:gsLst>
+          <a:path path="circle">
+            <a:fillToRect l="50000" t="-80000" r="50000" b="180000"/>
+          </a:path>
+        </a:gradFill>
+        <a:gradFill rotWithShape="1">
+          <a:gsLst>
+            <a:gs pos="0">
+              <a:schemeClr val="phClr">
+                <a:tint val="80000"/>
+                <a:satMod val="300000"/>
+              </a:schemeClr>
+            </a:gs>
+            <a:gs pos="100000">
+              <a:schemeClr val="phClr">
+                <a:shade val="30000"/>
+                <a:satMod val="200000"/>
+              </a:schemeClr>
+            </a:gs>
+          </a:gsLst>
+          <a:path path="circle">
+            <a:fillToRect l="50000" t="50000" r="50000" b="50000"/>
+          </a:path>
+        </a:gradFill>
+      </a:bgFillStyleLst>
+    </a:fmtScheme>
+  </a:themeElements>
+</a:theme>
+</file>
+
+<file path=ppt/theme/theme2.xml><?xml version="1.0" encoding="utf-8"?>
 <a:theme xmlns:a="http://schemas.openxmlformats.org/drawingml/2006/main" xmlns:r="http://schemas.openxmlformats.org/officeDocument/2006/relationships" name="Wisp">
   <a:themeElements>
     <a:clrScheme name="Wisp">
@@ -30655,283 +30934,4 @@
     </a:fmtScheme>
   </a:themeElements>
 </a:theme>
-</file>
-
-<file path=ppt/theme/theme2.xml><?xml version="1.0" encoding="utf-8"?>
-<a:theme xmlns:a="http://schemas.openxmlformats.org/drawingml/2006/main" xmlns:r="http://schemas.openxmlformats.org/officeDocument/2006/relationships">
-  <a:themeElements>
-    <a:clrScheme name="Default">
-      <a:dk1>
-        <a:srgbClr val="000000"/>
-      </a:dk1>
-      <a:lt1>
-        <a:srgbClr val="FFFFFF"/>
-      </a:lt1>
-      <a:dk2>
-        <a:srgbClr val="158158"/>
-      </a:dk2>
-      <a:lt2>
-        <a:srgbClr val="F3F3F3"/>
-      </a:lt2>
-      <a:accent1>
-        <a:srgbClr val="058DC7"/>
-      </a:accent1>
-      <a:accent2>
-        <a:srgbClr val="50B432"/>
-      </a:accent2>
-      <a:accent3>
-        <a:srgbClr val="ED561B"/>
-      </a:accent3>
-      <a:accent4>
-        <a:srgbClr val="EDEF00"/>
-      </a:accent4>
-      <a:accent5>
-        <a:srgbClr val="24CBE5"/>
-      </a:accent5>
-      <a:accent6>
-        <a:srgbClr val="64E572"/>
-      </a:accent6>
-      <a:hlink>
-        <a:srgbClr val="2200CC"/>
-      </a:hlink>
-      <a:folHlink>
-        <a:srgbClr val="551A8B"/>
-      </a:folHlink>
-    </a:clrScheme>
-    <a:fontScheme name="Office">
-      <a:majorFont>
-        <a:latin typeface="Arial"/>
-        <a:ea typeface=""/>
-        <a:cs typeface=""/>
-        <a:font script="Jpan" typeface="ＭＳ Ｐゴシック"/>
-        <a:font script="Hang" typeface="맑은 고딕"/>
-        <a:font script="Hans" typeface="宋体"/>
-        <a:font script="Hant" typeface="新細明體"/>
-        <a:font script="Arab" typeface="Times New Roman"/>
-        <a:font script="Hebr" typeface="Times New Roman"/>
-        <a:font script="Thai" typeface="Angsana New"/>
-        <a:font script="Ethi" typeface="Nyala"/>
-        <a:font script="Beng" typeface="Vrinda"/>
-        <a:font script="Gujr" typeface="Shruti"/>
-        <a:font script="Khmr" typeface="MoolBoran"/>
-        <a:font script="Knda" typeface="Tunga"/>
-        <a:font script="Guru" typeface="Raavi"/>
-        <a:font script="Cans" typeface="Euphemia"/>
-        <a:font script="Cher" typeface="Plantagenet Cherokee"/>
-        <a:font script="Yiii" typeface="Microsoft Yi Baiti"/>
-        <a:font script="Tibt" typeface="Microsoft Himalaya"/>
-        <a:font script="Thaa" typeface="MV Boli"/>
-        <a:font script="Deva" typeface="Mangal"/>
-        <a:font script="Telu" typeface="Gautami"/>
-        <a:font script="Taml" typeface="Latha"/>
-        <a:font script="Syrc" typeface="Estrangelo Edessa"/>
-        <a:font script="Orya" typeface="Kalinga"/>
-        <a:font script="Mlym" typeface="Kartika"/>
-        <a:font script="Laoo" typeface="DokChampa"/>
-        <a:font script="Sinh" typeface="Iskoola Pota"/>
-        <a:font script="Mong" typeface="Mongolian Baiti"/>
-        <a:font script="Viet" typeface="Times New Roman"/>
-        <a:font script="Uigh" typeface="Microsoft Uighur"/>
-        <a:font script="Geor" typeface="Sylfaen"/>
-      </a:majorFont>
-      <a:minorFont>
-        <a:latin typeface="Arial"/>
-        <a:ea typeface=""/>
-        <a:cs typeface=""/>
-        <a:font script="Jpan" typeface="ＭＳ Ｐゴシック"/>
-        <a:font script="Hang" typeface="맑은 고딕"/>
-        <a:font script="Hans" typeface="宋体"/>
-        <a:font script="Hant" typeface="新細明體"/>
-        <a:font script="Arab" typeface="Arial"/>
-        <a:font script="Hebr" typeface="Arial"/>
-        <a:font script="Thai" typeface="Cordia New"/>
-        <a:font script="Ethi" typeface="Nyala"/>
-        <a:font script="Beng" typeface="Vrinda"/>
-        <a:font script="Gujr" typeface="Shruti"/>
-        <a:font script="Khmr" typeface="DaunPenh"/>
-        <a:font script="Knda" typeface="Tunga"/>
-        <a:font script="Guru" typeface="Raavi"/>
-        <a:font script="Cans" typeface="Euphemia"/>
-        <a:font script="Cher" typeface="Plantagenet Cherokee"/>
-        <a:font script="Yiii" typeface="Microsoft Yi Baiti"/>
-        <a:font script="Tibt" typeface="Microsoft Himalaya"/>
-        <a:font script="Thaa" typeface="MV Boli"/>
-        <a:font script="Deva" typeface="Mangal"/>
-        <a:font script="Telu" typeface="Gautami"/>
-        <a:font script="Taml" typeface="Latha"/>
-        <a:font script="Syrc" typeface="Estrangelo Edessa"/>
-        <a:font script="Orya" typeface="Kalinga"/>
-        <a:font script="Mlym" typeface="Kartika"/>
-        <a:font script="Laoo" typeface="DokChampa"/>
-        <a:font script="Sinh" typeface="Iskoola Pota"/>
-        <a:font script="Mong" typeface="Mongolian Baiti"/>
-        <a:font script="Viet" typeface="Arial"/>
-        <a:font script="Uigh" typeface="Microsoft Uighur"/>
-        <a:font script="Geor" typeface="Sylfaen"/>
-      </a:minorFont>
-    </a:fontScheme>
-    <a:fmtScheme name="Office">
-      <a:fillStyleLst>
-        <a:solidFill>
-          <a:schemeClr val="phClr"/>
-        </a:solidFill>
-        <a:gradFill rotWithShape="1">
-          <a:gsLst>
-            <a:gs pos="0">
-              <a:schemeClr val="phClr">
-                <a:tint val="50000"/>
-                <a:satMod val="300000"/>
-              </a:schemeClr>
-            </a:gs>
-            <a:gs pos="35000">
-              <a:schemeClr val="phClr">
-                <a:tint val="37000"/>
-                <a:satMod val="300000"/>
-              </a:schemeClr>
-            </a:gs>
-            <a:gs pos="100000">
-              <a:schemeClr val="phClr">
-                <a:tint val="15000"/>
-                <a:satMod val="350000"/>
-              </a:schemeClr>
-            </a:gs>
-          </a:gsLst>
-          <a:lin ang="16200000" scaled="1"/>
-        </a:gradFill>
-        <a:gradFill rotWithShape="1">
-          <a:gsLst>
-            <a:gs pos="0">
-              <a:schemeClr val="phClr">
-                <a:tint val="100000"/>
-                <a:shade val="100000"/>
-                <a:satMod val="130000"/>
-              </a:schemeClr>
-            </a:gs>
-            <a:gs pos="100000">
-              <a:schemeClr val="phClr">
-                <a:tint val="50000"/>
-                <a:shade val="100000"/>
-                <a:satMod val="350000"/>
-              </a:schemeClr>
-            </a:gs>
-          </a:gsLst>
-          <a:lin ang="16200000" scaled="0"/>
-        </a:gradFill>
-      </a:fillStyleLst>
-      <a:lnStyleLst>
-        <a:ln w="9525" cap="flat" cmpd="sng" algn="ctr">
-          <a:solidFill>
-            <a:schemeClr val="phClr">
-              <a:shade val="95000"/>
-              <a:satMod val="105000"/>
-            </a:schemeClr>
-          </a:solidFill>
-          <a:prstDash val="solid"/>
-        </a:ln>
-        <a:ln w="25400" cap="flat" cmpd="sng" algn="ctr">
-          <a:solidFill>
-            <a:schemeClr val="phClr"/>
-          </a:solidFill>
-          <a:prstDash val="solid"/>
-        </a:ln>
-        <a:ln w="38100" cap="flat" cmpd="sng" algn="ctr">
-          <a:solidFill>
-            <a:schemeClr val="phClr"/>
-          </a:solidFill>
-          <a:prstDash val="solid"/>
-        </a:ln>
-      </a:lnStyleLst>
-      <a:effectStyleLst>
-        <a:effectStyle>
-          <a:effectLst>
-            <a:outerShdw blurRad="40000" dist="20000" dir="5400000" rotWithShape="0">
-              <a:srgbClr val="000000">
-                <a:alpha val="38000"/>
-              </a:srgbClr>
-            </a:outerShdw>
-          </a:effectLst>
-        </a:effectStyle>
-        <a:effectStyle>
-          <a:effectLst>
-            <a:outerShdw blurRad="40000" dist="23000" dir="5400000" rotWithShape="0">
-              <a:srgbClr val="000000">
-                <a:alpha val="35000"/>
-              </a:srgbClr>
-            </a:outerShdw>
-          </a:effectLst>
-        </a:effectStyle>
-        <a:effectStyle>
-          <a:effectLst>
-            <a:outerShdw blurRad="40000" dist="23000" dir="5400000" rotWithShape="0">
-              <a:srgbClr val="000000">
-                <a:alpha val="35000"/>
-              </a:srgbClr>
-            </a:outerShdw>
-          </a:effectLst>
-          <a:scene3d>
-            <a:camera prst="orthographicFront">
-              <a:rot lat="0" lon="0" rev="0"/>
-            </a:camera>
-            <a:lightRig rig="threePt" dir="t">
-              <a:rot lat="0" lon="0" rev="1200000"/>
-            </a:lightRig>
-          </a:scene3d>
-          <a:sp3d>
-            <a:bevelT w="63500" h="25400"/>
-          </a:sp3d>
-        </a:effectStyle>
-      </a:effectStyleLst>
-      <a:bgFillStyleLst>
-        <a:solidFill>
-          <a:schemeClr val="phClr"/>
-        </a:solidFill>
-        <a:gradFill rotWithShape="1">
-          <a:gsLst>
-            <a:gs pos="0">
-              <a:schemeClr val="phClr">
-                <a:tint val="40000"/>
-                <a:satMod val="350000"/>
-              </a:schemeClr>
-            </a:gs>
-            <a:gs pos="40000">
-              <a:schemeClr val="phClr">
-                <a:tint val="45000"/>
-                <a:shade val="99000"/>
-                <a:satMod val="350000"/>
-              </a:schemeClr>
-            </a:gs>
-            <a:gs pos="100000">
-              <a:schemeClr val="phClr">
-                <a:shade val="20000"/>
-                <a:satMod val="255000"/>
-              </a:schemeClr>
-            </a:gs>
-          </a:gsLst>
-          <a:path path="circle">
-            <a:fillToRect l="50000" t="-80000" r="50000" b="180000"/>
-          </a:path>
-        </a:gradFill>
-        <a:gradFill rotWithShape="1">
-          <a:gsLst>
-            <a:gs pos="0">
-              <a:schemeClr val="phClr">
-                <a:tint val="80000"/>
-                <a:satMod val="300000"/>
-              </a:schemeClr>
-            </a:gs>
-            <a:gs pos="100000">
-              <a:schemeClr val="phClr">
-                <a:shade val="30000"/>
-                <a:satMod val="200000"/>
-              </a:schemeClr>
-            </a:gs>
-          </a:gsLst>
-          <a:path path="circle">
-            <a:fillToRect l="50000" t="50000" r="50000" b="50000"/>
-          </a:path>
-        </a:gradFill>
-      </a:bgFillStyleLst>
-    </a:fmtScheme>
-  </a:themeElements>
-</a:theme>
 </file>